--- a/Master/Lógica/INSIDE.pptx
+++ b/Master/Lógica/INSIDE.pptx
@@ -5,7 +5,7 @@
     <p:sldMasterId id="2147483648" r:id="rId1"/>
   </p:sldMasterIdLst>
   <p:notesMasterIdLst>
-    <p:notesMasterId r:id="rId7"/>
+    <p:notesMasterId r:id="rId10"/>
   </p:notesMasterIdLst>
   <p:sldIdLst>
     <p:sldId id="256" r:id="rId2"/>
@@ -13,6 +13,9 @@
     <p:sldId id="258" r:id="rId4"/>
     <p:sldId id="259" r:id="rId5"/>
     <p:sldId id="260" r:id="rId6"/>
+    <p:sldId id="261" r:id="rId7"/>
+    <p:sldId id="262" r:id="rId8"/>
+    <p:sldId id="263" r:id="rId9"/>
   </p:sldIdLst>
   <p:sldSz cx="9144000" cy="5143500" type="screen16x9"/>
   <p:notesSz cx="6858000" cy="9144000"/>
@@ -243,7 +246,7 @@
         <p:nvSpPr>
           <p:cNvPr id="2049" name="Rectangle 1"/>
           <p:cNvSpPr>
-            <a:spLocks noGrp="1" noChangeArrowheads="1"/>
+            <a:spLocks noGrp="1" noRot="1" noChangeAspect="1" noChangeArrowheads="1"/>
           </p:cNvSpPr>
           <p:nvPr>
             <p:ph type="sldImg"/>
@@ -890,7 +893,7 @@
         <p:nvSpPr>
           <p:cNvPr id="5121" name="Rectangle 1"/>
           <p:cNvSpPr txBox="1">
-            <a:spLocks noChangeArrowheads="1"/>
+            <a:spLocks noGrp="1" noRot="1" noChangeAspect="1" noChangeArrowheads="1"/>
           </p:cNvSpPr>
           <p:nvPr>
             <p:ph type="sldImg"/>
@@ -932,7 +935,7 @@
         <p:nvSpPr>
           <p:cNvPr id="5122" name="Rectangle 2"/>
           <p:cNvSpPr txBox="1">
-            <a:spLocks noChangeArrowheads="1"/>
+            <a:spLocks noGrp="1" noChangeArrowheads="1"/>
           </p:cNvSpPr>
           <p:nvPr>
             <p:ph type="body" idx="1"/>
@@ -1048,7 +1051,7 @@
         <p:nvSpPr>
           <p:cNvPr id="6145" name="Rectangle 1"/>
           <p:cNvSpPr txBox="1">
-            <a:spLocks noChangeArrowheads="1"/>
+            <a:spLocks noGrp="1" noRot="1" noChangeAspect="1" noChangeArrowheads="1"/>
           </p:cNvSpPr>
           <p:nvPr>
             <p:ph type="sldImg"/>
@@ -1090,7 +1093,7 @@
         <p:nvSpPr>
           <p:cNvPr id="6146" name="Rectangle 2"/>
           <p:cNvSpPr txBox="1">
-            <a:spLocks noChangeArrowheads="1"/>
+            <a:spLocks noGrp="1" noChangeArrowheads="1"/>
           </p:cNvSpPr>
           <p:nvPr>
             <p:ph type="body" idx="1"/>
@@ -4416,7 +4419,7 @@
   <p:timing>
     <p:tnLst>
       <p:par>
-        <p:cTn id="1" dur="indefinite" nodeType="tmRoot">
+        <p:cTn id="1" dur="indefinite" restart="never" nodeType="tmRoot">
           <p:childTnLst>
             <p:seq concurrent="1" nextAc="seek">
               <p:cTn id="2" dur="0" nodeType="mainSeq"/>
@@ -4474,7 +4477,7 @@
         <p:nvSpPr>
           <p:cNvPr id="4097" name="Rectangle 1"/>
           <p:cNvSpPr>
-            <a:spLocks noChangeArrowheads="1"/>
+            <a:spLocks noGrp="1" noChangeArrowheads="1"/>
           </p:cNvSpPr>
           <p:nvPr>
             <p:ph type="title"/>
@@ -4586,7 +4589,7 @@
                 <a:spcPct val="100000"/>
               </a:lnSpc>
               <a:buClr>
-                <a:srgbClr val="FFFFFF"/>
+                <a:schemeClr val="tx1"/>
               </a:buClr>
               <a:buSzPct val="45000"/>
               <a:buFont typeface="Wingdings" panose="05000000000000000000" pitchFamily="2" charset="2"/>
@@ -4744,7 +4747,7 @@
                 <a:spcPct val="100000"/>
               </a:lnSpc>
               <a:buClr>
-                <a:srgbClr val="FFFFFF"/>
+                <a:schemeClr val="tx1"/>
               </a:buClr>
               <a:buSzPct val="45000"/>
               <a:buFont typeface="Wingdings" panose="05000000000000000000" pitchFamily="2" charset="2"/>
@@ -4875,7 +4878,7 @@
                 <a:spcPct val="100000"/>
               </a:lnSpc>
               <a:buClr>
-                <a:srgbClr val="FFFFFF"/>
+                <a:schemeClr val="tx1"/>
               </a:buClr>
               <a:buSzPct val="45000"/>
               <a:buFont typeface="Wingdings" panose="05000000000000000000" pitchFamily="2" charset="2"/>
@@ -4985,7 +4988,7 @@
               <a:t>entre </a:t>
             </a:r>
             <a:r>
-              <a:rPr lang="en-US" altLang="es-ES" sz="1600" dirty="0" err="1">
+              <a:rPr lang="en-US" altLang="es-ES" sz="1600" dirty="0" err="1" smtClean="0">
                 <a:solidFill>
                   <a:schemeClr val="tx1"/>
                 </a:solidFill>
@@ -4994,13 +4997,13 @@
               <a:t>plataformas</a:t>
             </a:r>
             <a:r>
-              <a:rPr lang="en-US" altLang="es-ES" sz="1600" dirty="0">
-                <a:solidFill>
-                  <a:schemeClr val="tx1"/>
-                </a:solidFill>
-                <a:latin typeface="CAGeheimagentW00-Normal"/>
-              </a:rPr>
-              <a:t>, </a:t>
+              <a:rPr lang="en-US" altLang="es-ES" sz="1600" dirty="0" smtClean="0">
+                <a:solidFill>
+                  <a:schemeClr val="tx1"/>
+                </a:solidFill>
+                <a:latin typeface="CAGeheimagentW00-Normal"/>
+              </a:rPr>
+              <a:t> </a:t>
             </a:r>
             <a:endParaRPr lang="en-US" altLang="es-ES" sz="1600" dirty="0" smtClean="0">
               <a:solidFill>
@@ -5015,7 +5018,7 @@
                 <a:spcPct val="100000"/>
               </a:lnSpc>
               <a:buClr>
-                <a:srgbClr val="FFFFFF"/>
+                <a:schemeClr val="tx1"/>
               </a:buClr>
               <a:buSzPct val="45000"/>
               <a:buFont typeface="Wingdings" panose="05000000000000000000" pitchFamily="2" charset="2"/>
@@ -5047,7 +5050,7 @@
                 <a:spcPct val="100000"/>
               </a:lnSpc>
               <a:buClr>
-                <a:srgbClr val="FFFFFF"/>
+                <a:schemeClr val="tx1"/>
               </a:buClr>
               <a:buSzPct val="45000"/>
               <a:buFont typeface="Wingdings" panose="05000000000000000000" pitchFamily="2" charset="2"/>
@@ -5100,7 +5103,7 @@
                 </a:solidFill>
                 <a:latin typeface="CAGeheimagentW00-Normal"/>
               </a:rPr>
-              <a:t>alargar</a:t>
+              <a:t>enriquecer</a:t>
             </a:r>
             <a:r>
               <a:rPr lang="en-US" altLang="es-ES" sz="1600" dirty="0" smtClean="0">
@@ -5295,7 +5298,7 @@
                 <a:spcPct val="100000"/>
               </a:lnSpc>
               <a:buClr>
-                <a:srgbClr val="FFFFFF"/>
+                <a:schemeClr val="tx1"/>
               </a:buClr>
               <a:buSzPct val="45000"/>
               <a:buFont typeface="Wingdings" panose="05000000000000000000" pitchFamily="2" charset="2"/>
@@ -5342,7 +5345,7 @@
               <a:t>que </a:t>
             </a:r>
             <a:r>
-              <a:rPr lang="en-US" altLang="es-ES" sz="1600" dirty="0" err="1">
+              <a:rPr lang="en-US" altLang="es-ES" sz="1600" dirty="0" err="1" smtClean="0">
                 <a:solidFill>
                   <a:schemeClr val="tx1"/>
                 </a:solidFill>
@@ -5358,12 +5361,12 @@
             </a:endParaRPr>
           </a:p>
           <a:p>
-            <a:pPr marL="863600" lvl="1" indent="-323850">
+            <a:pPr marL="831850" lvl="1" indent="-323850">
               <a:lnSpc>
                 <a:spcPct val="100000"/>
               </a:lnSpc>
               <a:buClr>
-                <a:srgbClr val="FFFFFF"/>
+                <a:schemeClr val="tx1"/>
               </a:buClr>
               <a:buSzPct val="45000"/>
               <a:buFont typeface="Wingdings" panose="05000000000000000000" pitchFamily="2" charset="2"/>
@@ -5383,13 +5386,31 @@
               </a:tabLst>
             </a:pPr>
             <a:r>
+              <a:rPr lang="en-US" altLang="es-ES" sz="1600" dirty="0" err="1" smtClean="0">
+                <a:solidFill>
+                  <a:schemeClr val="tx1"/>
+                </a:solidFill>
+                <a:latin typeface="CAGeheimagentW00-Normal"/>
+              </a:rPr>
+              <a:t>Obstáculos</a:t>
+            </a:r>
+            <a:r>
+              <a:rPr lang="en-US" altLang="es-ES" sz="1600" dirty="0" smtClean="0">
+                <a:solidFill>
+                  <a:schemeClr val="tx1"/>
+                </a:solidFill>
+                <a:latin typeface="CAGeheimagentW00-Normal"/>
+              </a:rPr>
+              <a:t> </a:t>
+            </a:r>
+            <a:r>
               <a:rPr lang="en-US" altLang="es-ES" sz="1600" dirty="0" err="1">
                 <a:solidFill>
                   <a:schemeClr val="tx1"/>
                 </a:solidFill>
                 <a:latin typeface="CAGeheimagentW00-Normal"/>
               </a:rPr>
-              <a:t>Obstáculos</a:t>
+              <a:t>destructibles</a:t>
             </a:r>
             <a:r>
               <a:rPr lang="en-US" altLang="es-ES" sz="1600" dirty="0">
@@ -5401,24 +5422,6 @@
               <a:t> </a:t>
             </a:r>
             <a:r>
-              <a:rPr lang="en-US" altLang="es-ES" sz="1600" dirty="0" err="1">
-                <a:solidFill>
-                  <a:schemeClr val="tx1"/>
-                </a:solidFill>
-                <a:latin typeface="CAGeheimagentW00-Normal"/>
-              </a:rPr>
-              <a:t>destructibles</a:t>
-            </a:r>
-            <a:r>
-              <a:rPr lang="en-US" altLang="es-ES" sz="1600" dirty="0">
-                <a:solidFill>
-                  <a:schemeClr val="tx1"/>
-                </a:solidFill>
-                <a:latin typeface="CAGeheimagentW00-Normal"/>
-              </a:rPr>
-              <a:t> </a:t>
-            </a:r>
-            <a:r>
               <a:rPr lang="en-US" altLang="es-ES" sz="1600" dirty="0" err="1" smtClean="0">
                 <a:solidFill>
                   <a:schemeClr val="tx1"/>
@@ -5437,15 +5440,15 @@
               <a:t> el </a:t>
             </a:r>
             <a:r>
-              <a:rPr lang="en-US" altLang="es-ES" sz="1600" dirty="0" err="1" smtClean="0">
-                <a:solidFill>
-                  <a:schemeClr val="tx1"/>
-                </a:solidFill>
-                <a:latin typeface="CAGeheimagentW00-Normal"/>
-              </a:rPr>
-              <a:t>submarino</a:t>
-            </a:r>
-            <a:endParaRPr lang="en-US" altLang="es-ES" sz="1600" dirty="0" smtClean="0">
+              <a:rPr lang="en-US" altLang="es-ES" sz="1600" dirty="0" smtClean="0">
+                <a:solidFill>
+                  <a:schemeClr val="tx1"/>
+                </a:solidFill>
+                <a:latin typeface="CAGeheimagentW00-Normal"/>
+              </a:rPr>
+              <a:t>submarine</a:t>
+            </a:r>
+            <a:endParaRPr lang="en-US" altLang="es-ES" sz="1600" dirty="0">
               <a:solidFill>
                 <a:schemeClr val="tx1"/>
               </a:solidFill>
@@ -5453,12 +5456,12 @@
             </a:endParaRPr>
           </a:p>
           <a:p>
-            <a:pPr marL="863600" lvl="1" indent="-323850">
+            <a:pPr marL="831850" lvl="1" indent="-323850">
               <a:lnSpc>
                 <a:spcPct val="100000"/>
               </a:lnSpc>
               <a:buClr>
-                <a:srgbClr val="FFFFFF"/>
+                <a:schemeClr val="tx1"/>
               </a:buClr>
               <a:buSzPct val="45000"/>
               <a:buFont typeface="Wingdings" panose="05000000000000000000" pitchFamily="2" charset="2"/>
@@ -5555,7 +5558,7 @@
   <p:timing>
     <p:tnLst>
       <p:par>
-        <p:cTn id="1" dur="indefinite" nodeType="tmRoot">
+        <p:cTn id="1" dur="indefinite" restart="never" nodeType="tmRoot">
           <p:childTnLst>
             <p:seq concurrent="1" nextAc="seek">
               <p:cTn id="2" dur="0" nodeType="mainSeq"/>
@@ -5613,7 +5616,7 @@
         <p:nvSpPr>
           <p:cNvPr id="4" name="Rectangle 1"/>
           <p:cNvSpPr>
-            <a:spLocks noChangeArrowheads="1"/>
+            <a:spLocks noGrp="1" noChangeArrowheads="1"/>
           </p:cNvSpPr>
           <p:nvPr>
             <p:ph type="title"/>
@@ -5688,7 +5691,16 @@
                 </a:solidFill>
                 <a:latin typeface="CAGeheimagentW00-Normal" charset="0"/>
               </a:rPr>
-              <a:t>MECÁNICA: PETRÓLEO</a:t>
+              <a:t>MECÁNICA: </a:t>
+            </a:r>
+            <a:r>
+              <a:rPr lang="en-US" altLang="es-ES" sz="3200" b="1" u="sng" dirty="0" smtClean="0">
+                <a:solidFill>
+                  <a:schemeClr val="tx1"/>
+                </a:solidFill>
+                <a:latin typeface="CAGeheimagentW00-Normal" charset="0"/>
+              </a:rPr>
+              <a:t>MAREA NEGRA</a:t>
             </a:r>
             <a:endParaRPr lang="en-US" altLang="es-ES" sz="3200" b="1" u="sng" dirty="0">
               <a:solidFill>
@@ -5955,7 +5967,7 @@
                 <a:spcPct val="100000"/>
               </a:lnSpc>
               <a:buClr>
-                <a:srgbClr val="FFFFFF"/>
+                <a:schemeClr val="tx1"/>
               </a:buClr>
               <a:buSzPct val="45000"/>
               <a:buFont typeface="Wingdings" panose="05000000000000000000" pitchFamily="2" charset="2"/>
@@ -6103,9 +6115,7 @@
               <a:lnSpc>
                 <a:spcPct val="100000"/>
               </a:lnSpc>
-              <a:buClr>
-                <a:srgbClr val="FFFFFF"/>
-              </a:buClr>
+              <a:buClrTx/>
               <a:buSzPct val="45000"/>
               <a:buFont typeface="Wingdings" panose="05000000000000000000" pitchFamily="2" charset="2"/>
               <a:buChar char=""/>
@@ -6262,7 +6272,7 @@
                 <a:spcPct val="100000"/>
               </a:lnSpc>
               <a:buClr>
-                <a:srgbClr val="FFFFFF"/>
+                <a:schemeClr val="tx1"/>
               </a:buClr>
               <a:buSzPct val="45000"/>
               <a:buFont typeface="Wingdings" panose="05000000000000000000" pitchFamily="2" charset="2"/>
@@ -6556,7 +6566,7 @@
                 <a:spcPct val="100000"/>
               </a:lnSpc>
               <a:buClr>
-                <a:srgbClr val="FFFFFF"/>
+                <a:schemeClr val="tx1"/>
               </a:buClr>
               <a:buSzPct val="45000"/>
               <a:buFont typeface="Wingdings" panose="05000000000000000000" pitchFamily="2" charset="2"/>
@@ -6587,9 +6597,7 @@
               <a:lnSpc>
                 <a:spcPct val="100000"/>
               </a:lnSpc>
-              <a:buClr>
-                <a:srgbClr val="FFFFFF"/>
-              </a:buClr>
+              <a:buClrTx/>
               <a:buSzPct val="45000"/>
               <a:buFont typeface="Wingdings" panose="05000000000000000000" pitchFamily="2" charset="2"/>
               <a:buChar char=""/>
@@ -6853,7 +6861,7 @@
         <p:nvSpPr>
           <p:cNvPr id="4" name="Rectangle 1"/>
           <p:cNvSpPr>
-            <a:spLocks noChangeArrowheads="1"/>
+            <a:spLocks noGrp="1" noChangeArrowheads="1"/>
           </p:cNvSpPr>
           <p:nvPr>
             <p:ph type="title"/>
@@ -7194,9 +7202,7 @@
               <a:lnSpc>
                 <a:spcPct val="100000"/>
               </a:lnSpc>
-              <a:buClr>
-                <a:srgbClr val="FFFFFF"/>
-              </a:buClr>
+              <a:buClrTx/>
               <a:buSzPct val="45000"/>
               <a:buFont typeface="Wingdings" panose="05000000000000000000" pitchFamily="2" charset="2"/>
               <a:buChar char=""/>
@@ -7397,9 +7403,7 @@
               <a:lnSpc>
                 <a:spcPct val="100000"/>
               </a:lnSpc>
-              <a:buClr>
-                <a:srgbClr val="FFFFFF"/>
-              </a:buClr>
+              <a:buClrTx/>
               <a:buSzPct val="45000"/>
               <a:buFont typeface="Wingdings" panose="05000000000000000000" pitchFamily="2" charset="2"/>
               <a:buChar char=""/>
@@ -7942,9 +7946,7 @@
               <a:lnSpc>
                 <a:spcPct val="100000"/>
               </a:lnSpc>
-              <a:buClr>
-                <a:srgbClr val="FFFFFF"/>
-              </a:buClr>
+              <a:buClrTx/>
               <a:buSzPct val="45000"/>
               <a:buFont typeface="Wingdings" panose="05000000000000000000" pitchFamily="2" charset="2"/>
               <a:buChar char=""/>
@@ -8216,11 +8218,41 @@
           <a:chExt cx="0" cy="0"/>
         </a:xfrm>
       </p:grpSpPr>
+      <p:pic>
+        <p:nvPicPr>
+          <p:cNvPr id="3" name="Imagen 2"/>
+          <p:cNvPicPr>
+            <a:picLocks noChangeAspect="1"/>
+          </p:cNvPicPr>
+          <p:nvPr/>
+        </p:nvPicPr>
+        <p:blipFill>
+          <a:blip r:embed="rId2">
+            <a:extLst>
+              <a:ext uri="{28A0092B-C50C-407E-A947-70E740481C1C}">
+                <a14:useLocalDpi xmlns:a14="http://schemas.microsoft.com/office/drawing/2010/main" val="0"/>
+              </a:ext>
+            </a:extLst>
+          </a:blip>
+          <a:stretch>
+            <a:fillRect/>
+          </a:stretch>
+        </p:blipFill>
+        <p:spPr>
+          <a:xfrm>
+            <a:off x="0" y="0"/>
+            <a:ext cx="8379859" cy="5143500"/>
+          </a:xfrm>
+          <a:prstGeom prst="rect">
+            <a:avLst/>
+          </a:prstGeom>
+        </p:spPr>
+      </p:pic>
       <p:sp>
         <p:nvSpPr>
           <p:cNvPr id="4" name="Rectangle 1"/>
           <p:cNvSpPr>
-            <a:spLocks noChangeArrowheads="1"/>
+            <a:spLocks noGrp="1" noChangeArrowheads="1"/>
           </p:cNvSpPr>
           <p:nvPr>
             <p:ph type="title"/>
@@ -8228,8 +8260,8 @@
         </p:nvSpPr>
         <p:spPr bwMode="auto">
           <a:xfrm>
-            <a:off x="287338" y="393700"/>
-            <a:ext cx="8472487" cy="781050"/>
+            <a:off x="5868144" y="393700"/>
+            <a:ext cx="2891681" cy="781050"/>
           </a:xfrm>
           <a:noFill/>
           <a:ln/>
@@ -8295,7 +8327,7 @@
                 </a:solidFill>
                 <a:latin typeface="CAGeheimagentW00-Normal" charset="0"/>
               </a:rPr>
-              <a:t>PUZZLE DE EJEMPLO</a:t>
+              <a:t>EJEMPLO</a:t>
             </a:r>
             <a:endParaRPr lang="en-US" altLang="es-ES" sz="3200" b="1" u="sng" dirty="0">
               <a:solidFill>
@@ -8586,6 +8618,789 @@
     <p:extLst>
       <p:ext uri="{BB962C8B-B14F-4D97-AF65-F5344CB8AC3E}">
         <p14:creationId xmlns:p14="http://schemas.microsoft.com/office/powerpoint/2010/main" val="1202792623"/>
+      </p:ext>
+    </p:extLst>
+  </p:cSld>
+  <p:clrMapOvr>
+    <a:masterClrMapping/>
+  </p:clrMapOvr>
+  <p:timing>
+    <p:tnLst>
+      <p:par>
+        <p:cTn id="1" dur="indefinite" restart="never" nodeType="tmRoot"/>
+      </p:par>
+    </p:tnLst>
+  </p:timing>
+</p:sld>
+</file>
+
+<file path=ppt/slides/slide6.xml><?xml version="1.0" encoding="utf-8"?>
+<p:sld xmlns:a="http://schemas.openxmlformats.org/drawingml/2006/main" xmlns:r="http://schemas.openxmlformats.org/officeDocument/2006/relationships" xmlns:p="http://schemas.openxmlformats.org/presentationml/2006/main">
+  <p:cSld>
+    <p:bg>
+      <p:bgPr>
+        <a:solidFill>
+          <a:schemeClr val="bg1">
+            <a:lumMod val="85000"/>
+          </a:schemeClr>
+        </a:solidFill>
+        <a:effectLst/>
+      </p:bgPr>
+    </p:bg>
+    <p:spTree>
+      <p:nvGrpSpPr>
+        <p:cNvPr id="1" name=""/>
+        <p:cNvGrpSpPr/>
+        <p:nvPr/>
+      </p:nvGrpSpPr>
+      <p:grpSpPr>
+        <a:xfrm>
+          <a:off x="0" y="0"/>
+          <a:ext cx="0" cy="0"/>
+          <a:chOff x="0" y="0"/>
+          <a:chExt cx="0" cy="0"/>
+        </a:xfrm>
+      </p:grpSpPr>
+      <p:pic>
+        <p:nvPicPr>
+          <p:cNvPr id="5" name="Imagen 4"/>
+          <p:cNvPicPr>
+            <a:picLocks noChangeAspect="1"/>
+          </p:cNvPicPr>
+          <p:nvPr/>
+        </p:nvPicPr>
+        <p:blipFill>
+          <a:blip r:embed="rId2">
+            <a:extLst>
+              <a:ext uri="{28A0092B-C50C-407E-A947-70E740481C1C}">
+                <a14:useLocalDpi xmlns:a14="http://schemas.microsoft.com/office/drawing/2010/main" val="0"/>
+              </a:ext>
+            </a:extLst>
+          </a:blip>
+          <a:stretch>
+            <a:fillRect/>
+          </a:stretch>
+        </p:blipFill>
+        <p:spPr>
+          <a:xfrm>
+            <a:off x="0" y="0"/>
+            <a:ext cx="8379859" cy="5143500"/>
+          </a:xfrm>
+          <a:prstGeom prst="rect">
+            <a:avLst/>
+          </a:prstGeom>
+        </p:spPr>
+      </p:pic>
+      <p:sp>
+        <p:nvSpPr>
+          <p:cNvPr id="6" name="Rectangle 2"/>
+          <p:cNvSpPr txBox="1">
+            <a:spLocks noChangeArrowheads="1"/>
+          </p:cNvSpPr>
+          <p:nvPr/>
+        </p:nvSpPr>
+        <p:spPr bwMode="auto">
+          <a:xfrm>
+            <a:off x="408781" y="1275606"/>
+            <a:ext cx="8229600" cy="3528392"/>
+          </a:xfrm>
+          <a:prstGeom prst="rect">
+            <a:avLst/>
+          </a:prstGeom>
+          <a:noFill/>
+          <a:ln>
+            <a:noFill/>
+          </a:ln>
+          <a:effectLst/>
+          <a:extLst>
+            <a:ext uri="{909E8E84-426E-40DD-AFC4-6F175D3DCCD1}">
+              <a14:hiddenFill xmlns:a14="http://schemas.microsoft.com/office/drawing/2010/main">
+                <a:solidFill>
+                  <a:srgbClr val="FFFFFF"/>
+                </a:solidFill>
+              </a14:hiddenFill>
+            </a:ext>
+            <a:ext uri="{91240B29-F687-4F45-9708-019B960494DF}">
+              <a14:hiddenLine xmlns:a14="http://schemas.microsoft.com/office/drawing/2010/main" w="9525" cap="flat">
+                <a:solidFill>
+                  <a:srgbClr val="3465A4"/>
+                </a:solidFill>
+                <a:round/>
+                <a:headEnd/>
+                <a:tailEnd/>
+              </a14:hiddenLine>
+            </a:ext>
+            <a:ext uri="{AF507438-7753-43E0-B8FC-AC1667EBCBE1}">
+              <a14:hiddenEffects xmlns:a14="http://schemas.microsoft.com/office/drawing/2010/main">
+                <a:effectLst>
+                  <a:outerShdw dist="35921" dir="2700000" algn="ctr" rotWithShape="0">
+                    <a:schemeClr val="bg2"/>
+                  </a:outerShdw>
+                </a:effectLst>
+              </a14:hiddenEffects>
+            </a:ext>
+          </a:extLst>
+        </p:spPr>
+        <p:txBody>
+          <a:bodyPr vert="horz" wrap="square" lIns="0" tIns="0" rIns="0" bIns="0" numCol="1" anchor="t" anchorCtr="0" compatLnSpc="1">
+            <a:prstTxWarp prst="textNoShape">
+              <a:avLst/>
+            </a:prstTxWarp>
+          </a:bodyPr>
+          <a:lstStyle>
+            <a:lvl1pPr marL="342900" indent="-342900" algn="l" defTabSz="457200" rtl="0" fontAlgn="base" hangingPunct="0">
+              <a:lnSpc>
+                <a:spcPct val="93000"/>
+              </a:lnSpc>
+              <a:spcBef>
+                <a:spcPts val="1413"/>
+              </a:spcBef>
+              <a:spcAft>
+                <a:spcPct val="0"/>
+              </a:spcAft>
+              <a:buClr>
+                <a:srgbClr val="000000"/>
+              </a:buClr>
+              <a:buSzPct val="100000"/>
+              <a:buFont typeface="Times New Roman" panose="02020603050405020304" pitchFamily="18" charset="0"/>
+              <a:defRPr sz="1400" kern="1200">
+                <a:solidFill>
+                  <a:srgbClr val="000000"/>
+                </a:solidFill>
+                <a:latin typeface="+mn-lt"/>
+                <a:ea typeface="+mn-ea"/>
+                <a:cs typeface="+mn-cs"/>
+              </a:defRPr>
+            </a:lvl1pPr>
+            <a:lvl2pPr marL="742950" indent="-285750" algn="l" defTabSz="457200" rtl="0" fontAlgn="base" hangingPunct="0">
+              <a:lnSpc>
+                <a:spcPct val="93000"/>
+              </a:lnSpc>
+              <a:spcBef>
+                <a:spcPts val="1138"/>
+              </a:spcBef>
+              <a:spcAft>
+                <a:spcPct val="0"/>
+              </a:spcAft>
+              <a:buClr>
+                <a:srgbClr val="000000"/>
+              </a:buClr>
+              <a:buSzPct val="100000"/>
+              <a:buFont typeface="Times New Roman" panose="02020603050405020304" pitchFamily="18" charset="0"/>
+              <a:defRPr sz="1400" kern="1200">
+                <a:solidFill>
+                  <a:srgbClr val="000000"/>
+                </a:solidFill>
+                <a:latin typeface="+mn-lt"/>
+                <a:ea typeface="+mn-ea"/>
+                <a:cs typeface="+mn-cs"/>
+              </a:defRPr>
+            </a:lvl2pPr>
+            <a:lvl3pPr marL="1143000" indent="-228600" algn="l" defTabSz="457200" rtl="0" fontAlgn="base" hangingPunct="0">
+              <a:lnSpc>
+                <a:spcPct val="93000"/>
+              </a:lnSpc>
+              <a:spcBef>
+                <a:spcPts val="850"/>
+              </a:spcBef>
+              <a:spcAft>
+                <a:spcPct val="0"/>
+              </a:spcAft>
+              <a:buClr>
+                <a:srgbClr val="000000"/>
+              </a:buClr>
+              <a:buSzPct val="100000"/>
+              <a:buFont typeface="Times New Roman" panose="02020603050405020304" pitchFamily="18" charset="0"/>
+              <a:defRPr sz="1400" kern="1200">
+                <a:solidFill>
+                  <a:srgbClr val="000000"/>
+                </a:solidFill>
+                <a:latin typeface="+mn-lt"/>
+                <a:ea typeface="+mn-ea"/>
+                <a:cs typeface="+mn-cs"/>
+              </a:defRPr>
+            </a:lvl3pPr>
+            <a:lvl4pPr marL="1600200" indent="-228600" algn="l" defTabSz="457200" rtl="0" fontAlgn="base" hangingPunct="0">
+              <a:lnSpc>
+                <a:spcPct val="93000"/>
+              </a:lnSpc>
+              <a:spcBef>
+                <a:spcPts val="575"/>
+              </a:spcBef>
+              <a:spcAft>
+                <a:spcPct val="0"/>
+              </a:spcAft>
+              <a:buClr>
+                <a:srgbClr val="000000"/>
+              </a:buClr>
+              <a:buSzPct val="100000"/>
+              <a:buFont typeface="Times New Roman" panose="02020603050405020304" pitchFamily="18" charset="0"/>
+              <a:defRPr sz="1400" kern="1200">
+                <a:solidFill>
+                  <a:srgbClr val="000000"/>
+                </a:solidFill>
+                <a:latin typeface="+mn-lt"/>
+                <a:ea typeface="+mn-ea"/>
+                <a:cs typeface="+mn-cs"/>
+              </a:defRPr>
+            </a:lvl4pPr>
+            <a:lvl5pPr marL="2057400" indent="-228600" algn="l" defTabSz="457200" rtl="0" fontAlgn="base" hangingPunct="0">
+              <a:lnSpc>
+                <a:spcPct val="93000"/>
+              </a:lnSpc>
+              <a:spcBef>
+                <a:spcPts val="288"/>
+              </a:spcBef>
+              <a:spcAft>
+                <a:spcPct val="0"/>
+              </a:spcAft>
+              <a:buClr>
+                <a:srgbClr val="000000"/>
+              </a:buClr>
+              <a:buSzPct val="100000"/>
+              <a:buFont typeface="Times New Roman" panose="02020603050405020304" pitchFamily="18" charset="0"/>
+              <a:defRPr sz="2000" kern="1200">
+                <a:solidFill>
+                  <a:srgbClr val="000000"/>
+                </a:solidFill>
+                <a:latin typeface="+mn-lt"/>
+                <a:ea typeface="+mn-ea"/>
+                <a:cs typeface="+mn-cs"/>
+              </a:defRPr>
+            </a:lvl5pPr>
+            <a:lvl6pPr marL="2514600" indent="-228600" algn="l" defTabSz="914400" rtl="0" eaLnBrk="1" latinLnBrk="0" hangingPunct="1">
+              <a:lnSpc>
+                <a:spcPct val="90000"/>
+              </a:lnSpc>
+              <a:spcBef>
+                <a:spcPts val="500"/>
+              </a:spcBef>
+              <a:buFont typeface="Arial" panose="020B0604020202020204" pitchFamily="34" charset="0"/>
+              <a:buChar char="•"/>
+              <a:defRPr sz="1800" kern="1200">
+                <a:solidFill>
+                  <a:schemeClr val="tx1"/>
+                </a:solidFill>
+                <a:latin typeface="+mn-lt"/>
+                <a:ea typeface="+mn-ea"/>
+                <a:cs typeface="+mn-cs"/>
+              </a:defRPr>
+            </a:lvl6pPr>
+            <a:lvl7pPr marL="2971800" indent="-228600" algn="l" defTabSz="914400" rtl="0" eaLnBrk="1" latinLnBrk="0" hangingPunct="1">
+              <a:lnSpc>
+                <a:spcPct val="90000"/>
+              </a:lnSpc>
+              <a:spcBef>
+                <a:spcPts val="500"/>
+              </a:spcBef>
+              <a:buFont typeface="Arial" panose="020B0604020202020204" pitchFamily="34" charset="0"/>
+              <a:buChar char="•"/>
+              <a:defRPr sz="1800" kern="1200">
+                <a:solidFill>
+                  <a:schemeClr val="tx1"/>
+                </a:solidFill>
+                <a:latin typeface="+mn-lt"/>
+                <a:ea typeface="+mn-ea"/>
+                <a:cs typeface="+mn-cs"/>
+              </a:defRPr>
+            </a:lvl7pPr>
+            <a:lvl8pPr marL="3429000" indent="-228600" algn="l" defTabSz="914400" rtl="0" eaLnBrk="1" latinLnBrk="0" hangingPunct="1">
+              <a:lnSpc>
+                <a:spcPct val="90000"/>
+              </a:lnSpc>
+              <a:spcBef>
+                <a:spcPts val="500"/>
+              </a:spcBef>
+              <a:buFont typeface="Arial" panose="020B0604020202020204" pitchFamily="34" charset="0"/>
+              <a:buChar char="•"/>
+              <a:defRPr sz="1800" kern="1200">
+                <a:solidFill>
+                  <a:schemeClr val="tx1"/>
+                </a:solidFill>
+                <a:latin typeface="+mn-lt"/>
+                <a:ea typeface="+mn-ea"/>
+                <a:cs typeface="+mn-cs"/>
+              </a:defRPr>
+            </a:lvl8pPr>
+            <a:lvl9pPr marL="3886200" indent="-228600" algn="l" defTabSz="914400" rtl="0" eaLnBrk="1" latinLnBrk="0" hangingPunct="1">
+              <a:lnSpc>
+                <a:spcPct val="90000"/>
+              </a:lnSpc>
+              <a:spcBef>
+                <a:spcPts val="500"/>
+              </a:spcBef>
+              <a:buFont typeface="Arial" panose="020B0604020202020204" pitchFamily="34" charset="0"/>
+              <a:buChar char="•"/>
+              <a:defRPr sz="1800" kern="1200">
+                <a:solidFill>
+                  <a:schemeClr val="tx1"/>
+                </a:solidFill>
+                <a:latin typeface="+mn-lt"/>
+                <a:ea typeface="+mn-ea"/>
+                <a:cs typeface="+mn-cs"/>
+              </a:defRPr>
+            </a:lvl9pPr>
+          </a:lstStyle>
+          <a:p>
+            <a:pPr marL="431800" indent="-323850">
+              <a:buClr>
+                <a:srgbClr val="FFFFFF"/>
+              </a:buClr>
+              <a:buSzPct val="45000"/>
+              <a:buFont typeface="Wingdings" panose="05000000000000000000" pitchFamily="2" charset="2"/>
+              <a:buNone/>
+              <a:tabLst>
+                <a:tab pos="723900" algn="l"/>
+                <a:tab pos="1447800" algn="l"/>
+                <a:tab pos="2171700" algn="l"/>
+                <a:tab pos="2895600" algn="l"/>
+                <a:tab pos="3619500" algn="l"/>
+                <a:tab pos="4343400" algn="l"/>
+                <a:tab pos="5067300" algn="l"/>
+                <a:tab pos="5791200" algn="l"/>
+                <a:tab pos="6515100" algn="l"/>
+                <a:tab pos="7239000" algn="l"/>
+                <a:tab pos="7962900" algn="l"/>
+              </a:tabLst>
+            </a:pPr>
+            <a:endParaRPr lang="en-US" altLang="es-ES" dirty="0"/>
+          </a:p>
+        </p:txBody>
+      </p:sp>
+    </p:spTree>
+    <p:extLst>
+      <p:ext uri="{BB962C8B-B14F-4D97-AF65-F5344CB8AC3E}">
+        <p14:creationId xmlns:p14="http://schemas.microsoft.com/office/powerpoint/2010/main" val="2441589097"/>
+      </p:ext>
+    </p:extLst>
+  </p:cSld>
+  <p:clrMapOvr>
+    <a:masterClrMapping/>
+  </p:clrMapOvr>
+  <p:timing>
+    <p:tnLst>
+      <p:par>
+        <p:cTn id="1" dur="indefinite" restart="never" nodeType="tmRoot"/>
+      </p:par>
+    </p:tnLst>
+  </p:timing>
+</p:sld>
+</file>
+
+<file path=ppt/slides/slide7.xml><?xml version="1.0" encoding="utf-8"?>
+<p:sld xmlns:a="http://schemas.openxmlformats.org/drawingml/2006/main" xmlns:r="http://schemas.openxmlformats.org/officeDocument/2006/relationships" xmlns:p="http://schemas.openxmlformats.org/presentationml/2006/main">
+  <p:cSld>
+    <p:bg>
+      <p:bgPr>
+        <a:solidFill>
+          <a:schemeClr val="bg1">
+            <a:lumMod val="85000"/>
+          </a:schemeClr>
+        </a:solidFill>
+        <a:effectLst/>
+      </p:bgPr>
+    </p:bg>
+    <p:spTree>
+      <p:nvGrpSpPr>
+        <p:cNvPr id="1" name=""/>
+        <p:cNvGrpSpPr/>
+        <p:nvPr/>
+      </p:nvGrpSpPr>
+      <p:grpSpPr>
+        <a:xfrm>
+          <a:off x="0" y="0"/>
+          <a:ext cx="0" cy="0"/>
+          <a:chOff x="0" y="0"/>
+          <a:chExt cx="0" cy="0"/>
+        </a:xfrm>
+      </p:grpSpPr>
+      <p:pic>
+        <p:nvPicPr>
+          <p:cNvPr id="5" name="Imagen 4"/>
+          <p:cNvPicPr>
+            <a:picLocks noChangeAspect="1"/>
+          </p:cNvPicPr>
+          <p:nvPr/>
+        </p:nvPicPr>
+        <p:blipFill>
+          <a:blip r:embed="rId2">
+            <a:extLst>
+              <a:ext uri="{28A0092B-C50C-407E-A947-70E740481C1C}">
+                <a14:useLocalDpi xmlns:a14="http://schemas.microsoft.com/office/drawing/2010/main" val="0"/>
+              </a:ext>
+            </a:extLst>
+          </a:blip>
+          <a:stretch>
+            <a:fillRect/>
+          </a:stretch>
+        </p:blipFill>
+        <p:spPr>
+          <a:xfrm>
+            <a:off x="0" y="0"/>
+            <a:ext cx="8379859" cy="5143500"/>
+          </a:xfrm>
+          <a:prstGeom prst="rect">
+            <a:avLst/>
+          </a:prstGeom>
+        </p:spPr>
+      </p:pic>
+      <p:sp>
+        <p:nvSpPr>
+          <p:cNvPr id="6" name="Rectangle 2"/>
+          <p:cNvSpPr txBox="1">
+            <a:spLocks noChangeArrowheads="1"/>
+          </p:cNvSpPr>
+          <p:nvPr/>
+        </p:nvSpPr>
+        <p:spPr bwMode="auto">
+          <a:xfrm>
+            <a:off x="408781" y="1275606"/>
+            <a:ext cx="8229600" cy="3528392"/>
+          </a:xfrm>
+          <a:prstGeom prst="rect">
+            <a:avLst/>
+          </a:prstGeom>
+          <a:noFill/>
+          <a:ln>
+            <a:noFill/>
+          </a:ln>
+          <a:effectLst/>
+          <a:extLst>
+            <a:ext uri="{909E8E84-426E-40DD-AFC4-6F175D3DCCD1}">
+              <a14:hiddenFill xmlns:a14="http://schemas.microsoft.com/office/drawing/2010/main">
+                <a:solidFill>
+                  <a:srgbClr val="FFFFFF"/>
+                </a:solidFill>
+              </a14:hiddenFill>
+            </a:ext>
+            <a:ext uri="{91240B29-F687-4F45-9708-019B960494DF}">
+              <a14:hiddenLine xmlns:a14="http://schemas.microsoft.com/office/drawing/2010/main" w="9525" cap="flat">
+                <a:solidFill>
+                  <a:srgbClr val="3465A4"/>
+                </a:solidFill>
+                <a:round/>
+                <a:headEnd/>
+                <a:tailEnd/>
+              </a14:hiddenLine>
+            </a:ext>
+            <a:ext uri="{AF507438-7753-43E0-B8FC-AC1667EBCBE1}">
+              <a14:hiddenEffects xmlns:a14="http://schemas.microsoft.com/office/drawing/2010/main">
+                <a:effectLst>
+                  <a:outerShdw dist="35921" dir="2700000" algn="ctr" rotWithShape="0">
+                    <a:schemeClr val="bg2"/>
+                  </a:outerShdw>
+                </a:effectLst>
+              </a14:hiddenEffects>
+            </a:ext>
+          </a:extLst>
+        </p:spPr>
+        <p:txBody>
+          <a:bodyPr vert="horz" wrap="square" lIns="0" tIns="0" rIns="0" bIns="0" numCol="1" anchor="t" anchorCtr="0" compatLnSpc="1">
+            <a:prstTxWarp prst="textNoShape">
+              <a:avLst/>
+            </a:prstTxWarp>
+          </a:bodyPr>
+          <a:lstStyle>
+            <a:lvl1pPr marL="342900" indent="-342900" algn="l" defTabSz="457200" rtl="0" fontAlgn="base" hangingPunct="0">
+              <a:lnSpc>
+                <a:spcPct val="93000"/>
+              </a:lnSpc>
+              <a:spcBef>
+                <a:spcPts val="1413"/>
+              </a:spcBef>
+              <a:spcAft>
+                <a:spcPct val="0"/>
+              </a:spcAft>
+              <a:buClr>
+                <a:srgbClr val="000000"/>
+              </a:buClr>
+              <a:buSzPct val="100000"/>
+              <a:buFont typeface="Times New Roman" panose="02020603050405020304" pitchFamily="18" charset="0"/>
+              <a:defRPr sz="1400" kern="1200">
+                <a:solidFill>
+                  <a:srgbClr val="000000"/>
+                </a:solidFill>
+                <a:latin typeface="+mn-lt"/>
+                <a:ea typeface="+mn-ea"/>
+                <a:cs typeface="+mn-cs"/>
+              </a:defRPr>
+            </a:lvl1pPr>
+            <a:lvl2pPr marL="742950" indent="-285750" algn="l" defTabSz="457200" rtl="0" fontAlgn="base" hangingPunct="0">
+              <a:lnSpc>
+                <a:spcPct val="93000"/>
+              </a:lnSpc>
+              <a:spcBef>
+                <a:spcPts val="1138"/>
+              </a:spcBef>
+              <a:spcAft>
+                <a:spcPct val="0"/>
+              </a:spcAft>
+              <a:buClr>
+                <a:srgbClr val="000000"/>
+              </a:buClr>
+              <a:buSzPct val="100000"/>
+              <a:buFont typeface="Times New Roman" panose="02020603050405020304" pitchFamily="18" charset="0"/>
+              <a:defRPr sz="1400" kern="1200">
+                <a:solidFill>
+                  <a:srgbClr val="000000"/>
+                </a:solidFill>
+                <a:latin typeface="+mn-lt"/>
+                <a:ea typeface="+mn-ea"/>
+                <a:cs typeface="+mn-cs"/>
+              </a:defRPr>
+            </a:lvl2pPr>
+            <a:lvl3pPr marL="1143000" indent="-228600" algn="l" defTabSz="457200" rtl="0" fontAlgn="base" hangingPunct="0">
+              <a:lnSpc>
+                <a:spcPct val="93000"/>
+              </a:lnSpc>
+              <a:spcBef>
+                <a:spcPts val="850"/>
+              </a:spcBef>
+              <a:spcAft>
+                <a:spcPct val="0"/>
+              </a:spcAft>
+              <a:buClr>
+                <a:srgbClr val="000000"/>
+              </a:buClr>
+              <a:buSzPct val="100000"/>
+              <a:buFont typeface="Times New Roman" panose="02020603050405020304" pitchFamily="18" charset="0"/>
+              <a:defRPr sz="1400" kern="1200">
+                <a:solidFill>
+                  <a:srgbClr val="000000"/>
+                </a:solidFill>
+                <a:latin typeface="+mn-lt"/>
+                <a:ea typeface="+mn-ea"/>
+                <a:cs typeface="+mn-cs"/>
+              </a:defRPr>
+            </a:lvl3pPr>
+            <a:lvl4pPr marL="1600200" indent="-228600" algn="l" defTabSz="457200" rtl="0" fontAlgn="base" hangingPunct="0">
+              <a:lnSpc>
+                <a:spcPct val="93000"/>
+              </a:lnSpc>
+              <a:spcBef>
+                <a:spcPts val="575"/>
+              </a:spcBef>
+              <a:spcAft>
+                <a:spcPct val="0"/>
+              </a:spcAft>
+              <a:buClr>
+                <a:srgbClr val="000000"/>
+              </a:buClr>
+              <a:buSzPct val="100000"/>
+              <a:buFont typeface="Times New Roman" panose="02020603050405020304" pitchFamily="18" charset="0"/>
+              <a:defRPr sz="1400" kern="1200">
+                <a:solidFill>
+                  <a:srgbClr val="000000"/>
+                </a:solidFill>
+                <a:latin typeface="+mn-lt"/>
+                <a:ea typeface="+mn-ea"/>
+                <a:cs typeface="+mn-cs"/>
+              </a:defRPr>
+            </a:lvl4pPr>
+            <a:lvl5pPr marL="2057400" indent="-228600" algn="l" defTabSz="457200" rtl="0" fontAlgn="base" hangingPunct="0">
+              <a:lnSpc>
+                <a:spcPct val="93000"/>
+              </a:lnSpc>
+              <a:spcBef>
+                <a:spcPts val="288"/>
+              </a:spcBef>
+              <a:spcAft>
+                <a:spcPct val="0"/>
+              </a:spcAft>
+              <a:buClr>
+                <a:srgbClr val="000000"/>
+              </a:buClr>
+              <a:buSzPct val="100000"/>
+              <a:buFont typeface="Times New Roman" panose="02020603050405020304" pitchFamily="18" charset="0"/>
+              <a:defRPr sz="2000" kern="1200">
+                <a:solidFill>
+                  <a:srgbClr val="000000"/>
+                </a:solidFill>
+                <a:latin typeface="+mn-lt"/>
+                <a:ea typeface="+mn-ea"/>
+                <a:cs typeface="+mn-cs"/>
+              </a:defRPr>
+            </a:lvl5pPr>
+            <a:lvl6pPr marL="2514600" indent="-228600" algn="l" defTabSz="914400" rtl="0" eaLnBrk="1" latinLnBrk="0" hangingPunct="1">
+              <a:lnSpc>
+                <a:spcPct val="90000"/>
+              </a:lnSpc>
+              <a:spcBef>
+                <a:spcPts val="500"/>
+              </a:spcBef>
+              <a:buFont typeface="Arial" panose="020B0604020202020204" pitchFamily="34" charset="0"/>
+              <a:buChar char="•"/>
+              <a:defRPr sz="1800" kern="1200">
+                <a:solidFill>
+                  <a:schemeClr val="tx1"/>
+                </a:solidFill>
+                <a:latin typeface="+mn-lt"/>
+                <a:ea typeface="+mn-ea"/>
+                <a:cs typeface="+mn-cs"/>
+              </a:defRPr>
+            </a:lvl6pPr>
+            <a:lvl7pPr marL="2971800" indent="-228600" algn="l" defTabSz="914400" rtl="0" eaLnBrk="1" latinLnBrk="0" hangingPunct="1">
+              <a:lnSpc>
+                <a:spcPct val="90000"/>
+              </a:lnSpc>
+              <a:spcBef>
+                <a:spcPts val="500"/>
+              </a:spcBef>
+              <a:buFont typeface="Arial" panose="020B0604020202020204" pitchFamily="34" charset="0"/>
+              <a:buChar char="•"/>
+              <a:defRPr sz="1800" kern="1200">
+                <a:solidFill>
+                  <a:schemeClr val="tx1"/>
+                </a:solidFill>
+                <a:latin typeface="+mn-lt"/>
+                <a:ea typeface="+mn-ea"/>
+                <a:cs typeface="+mn-cs"/>
+              </a:defRPr>
+            </a:lvl7pPr>
+            <a:lvl8pPr marL="3429000" indent="-228600" algn="l" defTabSz="914400" rtl="0" eaLnBrk="1" latinLnBrk="0" hangingPunct="1">
+              <a:lnSpc>
+                <a:spcPct val="90000"/>
+              </a:lnSpc>
+              <a:spcBef>
+                <a:spcPts val="500"/>
+              </a:spcBef>
+              <a:buFont typeface="Arial" panose="020B0604020202020204" pitchFamily="34" charset="0"/>
+              <a:buChar char="•"/>
+              <a:defRPr sz="1800" kern="1200">
+                <a:solidFill>
+                  <a:schemeClr val="tx1"/>
+                </a:solidFill>
+                <a:latin typeface="+mn-lt"/>
+                <a:ea typeface="+mn-ea"/>
+                <a:cs typeface="+mn-cs"/>
+              </a:defRPr>
+            </a:lvl8pPr>
+            <a:lvl9pPr marL="3886200" indent="-228600" algn="l" defTabSz="914400" rtl="0" eaLnBrk="1" latinLnBrk="0" hangingPunct="1">
+              <a:lnSpc>
+                <a:spcPct val="90000"/>
+              </a:lnSpc>
+              <a:spcBef>
+                <a:spcPts val="500"/>
+              </a:spcBef>
+              <a:buFont typeface="Arial" panose="020B0604020202020204" pitchFamily="34" charset="0"/>
+              <a:buChar char="•"/>
+              <a:defRPr sz="1800" kern="1200">
+                <a:solidFill>
+                  <a:schemeClr val="tx1"/>
+                </a:solidFill>
+                <a:latin typeface="+mn-lt"/>
+                <a:ea typeface="+mn-ea"/>
+                <a:cs typeface="+mn-cs"/>
+              </a:defRPr>
+            </a:lvl9pPr>
+          </a:lstStyle>
+          <a:p>
+            <a:pPr marL="431800" indent="-323850">
+              <a:buClr>
+                <a:srgbClr val="FFFFFF"/>
+              </a:buClr>
+              <a:buSzPct val="45000"/>
+              <a:buFont typeface="Wingdings" panose="05000000000000000000" pitchFamily="2" charset="2"/>
+              <a:buNone/>
+              <a:tabLst>
+                <a:tab pos="723900" algn="l"/>
+                <a:tab pos="1447800" algn="l"/>
+                <a:tab pos="2171700" algn="l"/>
+                <a:tab pos="2895600" algn="l"/>
+                <a:tab pos="3619500" algn="l"/>
+                <a:tab pos="4343400" algn="l"/>
+                <a:tab pos="5067300" algn="l"/>
+                <a:tab pos="5791200" algn="l"/>
+                <a:tab pos="6515100" algn="l"/>
+                <a:tab pos="7239000" algn="l"/>
+                <a:tab pos="7962900" algn="l"/>
+              </a:tabLst>
+            </a:pPr>
+            <a:endParaRPr lang="en-US" altLang="es-ES" dirty="0"/>
+          </a:p>
+        </p:txBody>
+      </p:sp>
+    </p:spTree>
+    <p:extLst>
+      <p:ext uri="{BB962C8B-B14F-4D97-AF65-F5344CB8AC3E}">
+        <p14:creationId xmlns:p14="http://schemas.microsoft.com/office/powerpoint/2010/main" val="45873698"/>
+      </p:ext>
+    </p:extLst>
+  </p:cSld>
+  <p:clrMapOvr>
+    <a:masterClrMapping/>
+  </p:clrMapOvr>
+  <p:timing>
+    <p:tnLst>
+      <p:par>
+        <p:cTn id="1" dur="indefinite" restart="never" nodeType="tmRoot"/>
+      </p:par>
+    </p:tnLst>
+  </p:timing>
+</p:sld>
+</file>
+
+<file path=ppt/slides/slide8.xml><?xml version="1.0" encoding="utf-8"?>
+<p:sld xmlns:a="http://schemas.openxmlformats.org/drawingml/2006/main" xmlns:r="http://schemas.openxmlformats.org/officeDocument/2006/relationships" xmlns:p="http://schemas.openxmlformats.org/presentationml/2006/main">
+  <p:cSld>
+    <p:bg>
+      <p:bgPr>
+        <a:solidFill>
+          <a:schemeClr val="bg1">
+            <a:lumMod val="85000"/>
+          </a:schemeClr>
+        </a:solidFill>
+        <a:effectLst/>
+      </p:bgPr>
+    </p:bg>
+    <p:spTree>
+      <p:nvGrpSpPr>
+        <p:cNvPr id="1" name=""/>
+        <p:cNvGrpSpPr/>
+        <p:nvPr/>
+      </p:nvGrpSpPr>
+      <p:grpSpPr>
+        <a:xfrm>
+          <a:off x="0" y="0"/>
+          <a:ext cx="0" cy="0"/>
+          <a:chOff x="0" y="0"/>
+          <a:chExt cx="0" cy="0"/>
+        </a:xfrm>
+      </p:grpSpPr>
+      <p:pic>
+        <p:nvPicPr>
+          <p:cNvPr id="2" name="Imagen 1"/>
+          <p:cNvPicPr>
+            <a:picLocks noChangeAspect="1"/>
+          </p:cNvPicPr>
+          <p:nvPr/>
+        </p:nvPicPr>
+        <p:blipFill>
+          <a:blip r:embed="rId2">
+            <a:extLst>
+              <a:ext uri="{28A0092B-C50C-407E-A947-70E740481C1C}">
+                <a14:useLocalDpi xmlns:a14="http://schemas.microsoft.com/office/drawing/2010/main" val="0"/>
+              </a:ext>
+            </a:extLst>
+          </a:blip>
+          <a:stretch>
+            <a:fillRect/>
+          </a:stretch>
+        </p:blipFill>
+        <p:spPr>
+          <a:xfrm>
+            <a:off x="0" y="0"/>
+            <a:ext cx="8379859" cy="5143500"/>
+          </a:xfrm>
+          <a:prstGeom prst="rect">
+            <a:avLst/>
+          </a:prstGeom>
+        </p:spPr>
+      </p:pic>
+    </p:spTree>
+    <p:extLst>
+      <p:ext uri="{BB962C8B-B14F-4D97-AF65-F5344CB8AC3E}">
+        <p14:creationId xmlns:p14="http://schemas.microsoft.com/office/powerpoint/2010/main" val="1529650974"/>
       </p:ext>
     </p:extLst>
   </p:cSld>
